--- a/data/AI Course Chatbot.pptx
+++ b/data/AI Course Chatbot.pptx
@@ -298,6 +298,7 @@
           <a:p>
             <a:fld id="{B80511CF-2969-4FBF-B6F4-2BE498CC53E8}" type="datetimeFigureOut">
               <a:rPr lang="he-IL" smtClean="0"/>
+              <a:pPr/>
               <a:t>כ"ט/שבט/תשפ"ו</a:t>
             </a:fld>
             <a:endParaRPr lang="he-IL"/>
@@ -340,6 +341,7 @@
           <a:p>
             <a:fld id="{8A4B2191-266D-49C5-9CA5-7C66F93F315E}" type="slidenum">
               <a:rPr lang="he-IL" smtClean="0"/>
+              <a:pPr/>
               <a:t>‹#›</a:t>
             </a:fld>
             <a:endParaRPr lang="he-IL"/>
@@ -463,6 +465,7 @@
           <a:p>
             <a:fld id="{B80511CF-2969-4FBF-B6F4-2BE498CC53E8}" type="datetimeFigureOut">
               <a:rPr lang="he-IL" smtClean="0"/>
+              <a:pPr/>
               <a:t>כ"ט/שבט/תשפ"ו</a:t>
             </a:fld>
             <a:endParaRPr lang="he-IL"/>
@@ -505,6 +508,7 @@
           <a:p>
             <a:fld id="{8A4B2191-266D-49C5-9CA5-7C66F93F315E}" type="slidenum">
               <a:rPr lang="he-IL" smtClean="0"/>
+              <a:pPr/>
               <a:t>‹#›</a:t>
             </a:fld>
             <a:endParaRPr lang="he-IL"/>
@@ -638,6 +642,7 @@
           <a:p>
             <a:fld id="{B80511CF-2969-4FBF-B6F4-2BE498CC53E8}" type="datetimeFigureOut">
               <a:rPr lang="he-IL" smtClean="0"/>
+              <a:pPr/>
               <a:t>כ"ט/שבט/תשפ"ו</a:t>
             </a:fld>
             <a:endParaRPr lang="he-IL"/>
@@ -680,6 +685,7 @@
           <a:p>
             <a:fld id="{8A4B2191-266D-49C5-9CA5-7C66F93F315E}" type="slidenum">
               <a:rPr lang="he-IL" smtClean="0"/>
+              <a:pPr/>
               <a:t>‹#›</a:t>
             </a:fld>
             <a:endParaRPr lang="he-IL"/>
@@ -803,6 +809,7 @@
           <a:p>
             <a:fld id="{B80511CF-2969-4FBF-B6F4-2BE498CC53E8}" type="datetimeFigureOut">
               <a:rPr lang="he-IL" smtClean="0"/>
+              <a:pPr/>
               <a:t>כ"ט/שבט/תשפ"ו</a:t>
             </a:fld>
             <a:endParaRPr lang="he-IL"/>
@@ -845,6 +852,7 @@
           <a:p>
             <a:fld id="{8A4B2191-266D-49C5-9CA5-7C66F93F315E}" type="slidenum">
               <a:rPr lang="he-IL" smtClean="0"/>
+              <a:pPr/>
               <a:t>‹#›</a:t>
             </a:fld>
             <a:endParaRPr lang="he-IL"/>
@@ -1044,6 +1052,7 @@
           <a:p>
             <a:fld id="{B80511CF-2969-4FBF-B6F4-2BE498CC53E8}" type="datetimeFigureOut">
               <a:rPr lang="he-IL" smtClean="0"/>
+              <a:pPr/>
               <a:t>כ"ט/שבט/תשפ"ו</a:t>
             </a:fld>
             <a:endParaRPr lang="he-IL"/>
@@ -1086,6 +1095,7 @@
           <a:p>
             <a:fld id="{8A4B2191-266D-49C5-9CA5-7C66F93F315E}" type="slidenum">
               <a:rPr lang="he-IL" smtClean="0"/>
+              <a:pPr/>
               <a:t>‹#›</a:t>
             </a:fld>
             <a:endParaRPr lang="he-IL"/>
@@ -1327,6 +1337,7 @@
           <a:p>
             <a:fld id="{B80511CF-2969-4FBF-B6F4-2BE498CC53E8}" type="datetimeFigureOut">
               <a:rPr lang="he-IL" smtClean="0"/>
+              <a:pPr/>
               <a:t>כ"ט/שבט/תשפ"ו</a:t>
             </a:fld>
             <a:endParaRPr lang="he-IL"/>
@@ -1369,6 +1380,7 @@
           <a:p>
             <a:fld id="{8A4B2191-266D-49C5-9CA5-7C66F93F315E}" type="slidenum">
               <a:rPr lang="he-IL" smtClean="0"/>
+              <a:pPr/>
               <a:t>‹#›</a:t>
             </a:fld>
             <a:endParaRPr lang="he-IL"/>
@@ -1744,6 +1756,7 @@
           <a:p>
             <a:fld id="{B80511CF-2969-4FBF-B6F4-2BE498CC53E8}" type="datetimeFigureOut">
               <a:rPr lang="he-IL" smtClean="0"/>
+              <a:pPr/>
               <a:t>כ"ט/שבט/תשפ"ו</a:t>
             </a:fld>
             <a:endParaRPr lang="he-IL"/>
@@ -1786,6 +1799,7 @@
           <a:p>
             <a:fld id="{8A4B2191-266D-49C5-9CA5-7C66F93F315E}" type="slidenum">
               <a:rPr lang="he-IL" smtClean="0"/>
+              <a:pPr/>
               <a:t>‹#›</a:t>
             </a:fld>
             <a:endParaRPr lang="he-IL"/>
@@ -1857,6 +1871,7 @@
           <a:p>
             <a:fld id="{B80511CF-2969-4FBF-B6F4-2BE498CC53E8}" type="datetimeFigureOut">
               <a:rPr lang="he-IL" smtClean="0"/>
+              <a:pPr/>
               <a:t>כ"ט/שבט/תשפ"ו</a:t>
             </a:fld>
             <a:endParaRPr lang="he-IL"/>
@@ -1899,6 +1914,7 @@
           <a:p>
             <a:fld id="{8A4B2191-266D-49C5-9CA5-7C66F93F315E}" type="slidenum">
               <a:rPr lang="he-IL" smtClean="0"/>
+              <a:pPr/>
               <a:t>‹#›</a:t>
             </a:fld>
             <a:endParaRPr lang="he-IL"/>
@@ -1947,6 +1963,7 @@
           <a:p>
             <a:fld id="{B80511CF-2969-4FBF-B6F4-2BE498CC53E8}" type="datetimeFigureOut">
               <a:rPr lang="he-IL" smtClean="0"/>
+              <a:pPr/>
               <a:t>כ"ט/שבט/תשפ"ו</a:t>
             </a:fld>
             <a:endParaRPr lang="he-IL"/>
@@ -1989,6 +2006,7 @@
           <a:p>
             <a:fld id="{8A4B2191-266D-49C5-9CA5-7C66F93F315E}" type="slidenum">
               <a:rPr lang="he-IL" smtClean="0"/>
+              <a:pPr/>
               <a:t>‹#›</a:t>
             </a:fld>
             <a:endParaRPr lang="he-IL"/>
@@ -2219,6 +2237,7 @@
           <a:p>
             <a:fld id="{B80511CF-2969-4FBF-B6F4-2BE498CC53E8}" type="datetimeFigureOut">
               <a:rPr lang="he-IL" smtClean="0"/>
+              <a:pPr/>
               <a:t>כ"ט/שבט/תשפ"ו</a:t>
             </a:fld>
             <a:endParaRPr lang="he-IL"/>
@@ -2261,6 +2280,7 @@
           <a:p>
             <a:fld id="{8A4B2191-266D-49C5-9CA5-7C66F93F315E}" type="slidenum">
               <a:rPr lang="he-IL" smtClean="0"/>
+              <a:pPr/>
               <a:t>‹#›</a:t>
             </a:fld>
             <a:endParaRPr lang="he-IL"/>
@@ -2467,6 +2487,7 @@
           <a:p>
             <a:fld id="{B80511CF-2969-4FBF-B6F4-2BE498CC53E8}" type="datetimeFigureOut">
               <a:rPr lang="he-IL" smtClean="0"/>
+              <a:pPr/>
               <a:t>כ"ט/שבט/תשפ"ו</a:t>
             </a:fld>
             <a:endParaRPr lang="he-IL"/>
@@ -2509,6 +2530,7 @@
           <a:p>
             <a:fld id="{8A4B2191-266D-49C5-9CA5-7C66F93F315E}" type="slidenum">
               <a:rPr lang="he-IL" smtClean="0"/>
+              <a:pPr/>
               <a:t>‹#›</a:t>
             </a:fld>
             <a:endParaRPr lang="he-IL"/>
@@ -2684,6 +2706,7 @@
           <a:p>
             <a:fld id="{B80511CF-2969-4FBF-B6F4-2BE498CC53E8}" type="datetimeFigureOut">
               <a:rPr lang="he-IL" smtClean="0"/>
+              <a:pPr/>
               <a:t>כ"ט/שבט/תשפ"ו</a:t>
             </a:fld>
             <a:endParaRPr lang="he-IL"/>
@@ -2762,6 +2785,7 @@
           <a:p>
             <a:fld id="{8A4B2191-266D-49C5-9CA5-7C66F93F315E}" type="slidenum">
               <a:rPr lang="he-IL" smtClean="0"/>
+              <a:pPr/>
               <a:t>‹#›</a:t>
             </a:fld>
             <a:endParaRPr lang="he-IL"/>
@@ -3475,6 +3499,49 @@
             <a:endParaRPr lang="he-IL" dirty="0">
               <a:solidFill>
                 <a:schemeClr val="bg1"/>
+              </a:solidFill>
+            </a:endParaRPr>
+          </a:p>
+        </p:txBody>
+      </p:sp>
+      <p:sp>
+        <p:nvSpPr>
+          <p:cNvPr id="3" name="Rectangle 2"/>
+          <p:cNvSpPr/>
+          <p:nvPr/>
+        </p:nvSpPr>
+        <p:spPr>
+          <a:xfrm>
+            <a:off x="0" y="6488668"/>
+            <a:ext cx="4423262" cy="369332"/>
+          </a:xfrm>
+          <a:prstGeom prst="rect">
+            <a:avLst/>
+          </a:prstGeom>
+        </p:spPr>
+        <p:txBody>
+          <a:bodyPr wrap="none">
+            <a:spAutoFit/>
+          </a:bodyPr>
+          <a:lstStyle/>
+          <a:p>
+            <a:r>
+              <a:rPr lang="en-US" dirty="0" smtClean="0">
+                <a:solidFill>
+                  <a:schemeClr val="tx2">
+                    <a:lumMod val="20000"/>
+                    <a:lumOff val="80000"/>
+                  </a:schemeClr>
+                </a:solidFill>
+              </a:rPr>
+              <a:t>https://github.com/lersam/ai-course-chatbot</a:t>
+            </a:r>
+            <a:endParaRPr lang="he-IL" dirty="0">
+              <a:solidFill>
+                <a:schemeClr val="tx2">
+                  <a:lumMod val="20000"/>
+                  <a:lumOff val="80000"/>
+                </a:schemeClr>
               </a:solidFill>
             </a:endParaRPr>
           </a:p>
